--- a/deons_code/draft presentation for bis15L.pptx
+++ b/deons_code/draft presentation for bis15L.pptx
@@ -107,7 +107,41 @@
       </a:defRPr>
     </a:lvl9pPr>
   </p:defaultTextStyle>
+  <p:extLst>
+    <p:ext uri="{EFAFB233-063F-42B5-8137-9DF3F51BA10A}">
+      <p15:sldGuideLst xmlns:p15="http://schemas.microsoft.com/office/powerpoint/2012/main"/>
+    </p:ext>
+  </p:extLst>
 </p:presentation>
+</file>
+
+<file path=ppt/changesInfos/changesInfo1.xml><?xml version="1.0" encoding="utf-8"?>
+<pc:chgInfo xmlns:a="http://schemas.openxmlformats.org/drawingml/2006/main" xmlns:r="http://schemas.openxmlformats.org/officeDocument/2006/relationships" xmlns:ac="http://schemas.microsoft.com/office/drawing/2013/main/command" xmlns:pc="http://schemas.microsoft.com/office/powerpoint/2013/main/command">
+  <pc:docChgLst>
+    <pc:chgData name="Lord Cluck" userId="41e783d5769463c8" providerId="LiveId" clId="{F1A453FF-17BF-46AB-BF79-28CE4ECFB8CD}"/>
+    <pc:docChg chg="modSld">
+      <pc:chgData name="Lord Cluck" userId="41e783d5769463c8" providerId="LiveId" clId="{F1A453FF-17BF-46AB-BF79-28CE4ECFB8CD}" dt="2023-03-15T20:40:52.302" v="9" actId="20577"/>
+      <pc:docMkLst>
+        <pc:docMk/>
+      </pc:docMkLst>
+      <pc:sldChg chg="modSp mod">
+        <pc:chgData name="Lord Cluck" userId="41e783d5769463c8" providerId="LiveId" clId="{F1A453FF-17BF-46AB-BF79-28CE4ECFB8CD}" dt="2023-03-15T20:40:52.302" v="9" actId="20577"/>
+        <pc:sldMkLst>
+          <pc:docMk/>
+          <pc:sldMk cId="540725427" sldId="256"/>
+        </pc:sldMkLst>
+        <pc:spChg chg="mod">
+          <ac:chgData name="Lord Cluck" userId="41e783d5769463c8" providerId="LiveId" clId="{F1A453FF-17BF-46AB-BF79-28CE4ECFB8CD}" dt="2023-03-15T20:40:52.302" v="9" actId="20577"/>
+          <ac:spMkLst>
+            <pc:docMk/>
+            <pc:sldMk cId="540725427" sldId="256"/>
+            <ac:spMk id="2" creationId="{063C8457-486D-D9DA-4C82-85755B201A6D}"/>
+          </ac:spMkLst>
+        </pc:spChg>
+      </pc:sldChg>
+    </pc:docChg>
+  </pc:docChgLst>
+</pc:chgInfo>
 </file>
 
 <file path=ppt/slideLayouts/slideLayout1.xml><?xml version="1.0" encoding="utf-8"?>
@@ -257,7 +291,7 @@
           <a:p>
             <a:fld id="{988D6EE2-6E0A-0C45-B4AC-C3644FB9E605}" type="datetimeFigureOut">
               <a:rPr lang="en-US" smtClean="0"/>
-              <a:t>3/9/23</a:t>
+              <a:t>3/14/2023</a:t>
             </a:fld>
             <a:endParaRPr lang="en-US"/>
           </a:p>
@@ -455,7 +489,7 @@
           <a:p>
             <a:fld id="{988D6EE2-6E0A-0C45-B4AC-C3644FB9E605}" type="datetimeFigureOut">
               <a:rPr lang="en-US" smtClean="0"/>
-              <a:t>3/9/23</a:t>
+              <a:t>3/14/2023</a:t>
             </a:fld>
             <a:endParaRPr lang="en-US"/>
           </a:p>
@@ -663,7 +697,7 @@
           <a:p>
             <a:fld id="{988D6EE2-6E0A-0C45-B4AC-C3644FB9E605}" type="datetimeFigureOut">
               <a:rPr lang="en-US" smtClean="0"/>
-              <a:t>3/9/23</a:t>
+              <a:t>3/14/2023</a:t>
             </a:fld>
             <a:endParaRPr lang="en-US"/>
           </a:p>
@@ -861,7 +895,7 @@
           <a:p>
             <a:fld id="{988D6EE2-6E0A-0C45-B4AC-C3644FB9E605}" type="datetimeFigureOut">
               <a:rPr lang="en-US" smtClean="0"/>
-              <a:t>3/9/23</a:t>
+              <a:t>3/14/2023</a:t>
             </a:fld>
             <a:endParaRPr lang="en-US"/>
           </a:p>
@@ -1136,7 +1170,7 @@
           <a:p>
             <a:fld id="{988D6EE2-6E0A-0C45-B4AC-C3644FB9E605}" type="datetimeFigureOut">
               <a:rPr lang="en-US" smtClean="0"/>
-              <a:t>3/9/23</a:t>
+              <a:t>3/14/2023</a:t>
             </a:fld>
             <a:endParaRPr lang="en-US"/>
           </a:p>
@@ -1401,7 +1435,7 @@
           <a:p>
             <a:fld id="{988D6EE2-6E0A-0C45-B4AC-C3644FB9E605}" type="datetimeFigureOut">
               <a:rPr lang="en-US" smtClean="0"/>
-              <a:t>3/9/23</a:t>
+              <a:t>3/14/2023</a:t>
             </a:fld>
             <a:endParaRPr lang="en-US"/>
           </a:p>
@@ -1813,7 +1847,7 @@
           <a:p>
             <a:fld id="{988D6EE2-6E0A-0C45-B4AC-C3644FB9E605}" type="datetimeFigureOut">
               <a:rPr lang="en-US" smtClean="0"/>
-              <a:t>3/9/23</a:t>
+              <a:t>3/14/2023</a:t>
             </a:fld>
             <a:endParaRPr lang="en-US"/>
           </a:p>
@@ -1954,7 +1988,7 @@
           <a:p>
             <a:fld id="{988D6EE2-6E0A-0C45-B4AC-C3644FB9E605}" type="datetimeFigureOut">
               <a:rPr lang="en-US" smtClean="0"/>
-              <a:t>3/9/23</a:t>
+              <a:t>3/14/2023</a:t>
             </a:fld>
             <a:endParaRPr lang="en-US"/>
           </a:p>
@@ -2067,7 +2101,7 @@
           <a:p>
             <a:fld id="{988D6EE2-6E0A-0C45-B4AC-C3644FB9E605}" type="datetimeFigureOut">
               <a:rPr lang="en-US" smtClean="0"/>
-              <a:t>3/9/23</a:t>
+              <a:t>3/14/2023</a:t>
             </a:fld>
             <a:endParaRPr lang="en-US"/>
           </a:p>
@@ -2378,7 +2412,7 @@
           <a:p>
             <a:fld id="{988D6EE2-6E0A-0C45-B4AC-C3644FB9E605}" type="datetimeFigureOut">
               <a:rPr lang="en-US" smtClean="0"/>
-              <a:t>3/9/23</a:t>
+              <a:t>3/14/2023</a:t>
             </a:fld>
             <a:endParaRPr lang="en-US"/>
           </a:p>
@@ -2666,7 +2700,7 @@
           <a:p>
             <a:fld id="{988D6EE2-6E0A-0C45-B4AC-C3644FB9E605}" type="datetimeFigureOut">
               <a:rPr lang="en-US" smtClean="0"/>
-              <a:t>3/9/23</a:t>
+              <a:t>3/14/2023</a:t>
             </a:fld>
             <a:endParaRPr lang="en-US"/>
           </a:p>
@@ -2907,7 +2941,7 @@
           <a:p>
             <a:fld id="{988D6EE2-6E0A-0C45-B4AC-C3644FB9E605}" type="datetimeFigureOut">
               <a:rPr lang="en-US" smtClean="0"/>
-              <a:t>3/9/23</a:t>
+              <a:t>3/14/2023</a:t>
             </a:fld>
             <a:endParaRPr lang="en-US"/>
           </a:p>
@@ -3347,7 +3381,7 @@
           <a:p>
             <a:r>
               <a:rPr lang="en-US" dirty="0"/>
-              <a:t>South America</a:t>
+              <a:t>Expedia</a:t>
             </a:r>
           </a:p>
         </p:txBody>
@@ -3440,10 +3474,10 @@
       </p:sp>
       <p:sp>
         <p:nvSpPr>
-          <p:cNvPr id="3" name="Content Placeholder 2">
-            <a:extLst>
-              <a:ext uri="{FF2B5EF4-FFF2-40B4-BE49-F238E27FC236}">
-                <a16:creationId xmlns:a16="http://schemas.microsoft.com/office/drawing/2014/main" id="{7334EAFD-9241-C794-808D-089E66A1983E}"/>
+          <p:cNvPr id="4" name="Content Placeholder 3">
+            <a:extLst>
+              <a:ext uri="{FF2B5EF4-FFF2-40B4-BE49-F238E27FC236}">
+                <a16:creationId xmlns:a16="http://schemas.microsoft.com/office/drawing/2014/main" id="{1B5F0C3D-DAEA-E91E-2C50-A59163B17A50}"/>
               </a:ext>
             </a:extLst>
           </p:cNvPr>
@@ -3452,6 +3486,31 @@
           </p:cNvSpPr>
           <p:nvPr>
             <p:ph idx="1"/>
+          </p:nvPr>
+        </p:nvSpPr>
+        <p:spPr/>
+        <p:txBody>
+          <a:bodyPr/>
+          <a:lstStyle/>
+          <a:p>
+            <a:endParaRPr lang="en-US"/>
+          </a:p>
+        </p:txBody>
+      </p:sp>
+      <p:sp>
+        <p:nvSpPr>
+          <p:cNvPr id="5" name="Text Placeholder 4">
+            <a:extLst>
+              <a:ext uri="{FF2B5EF4-FFF2-40B4-BE49-F238E27FC236}">
+                <a16:creationId xmlns:a16="http://schemas.microsoft.com/office/drawing/2014/main" id="{30EFAC68-B568-739A-E4BC-FFF8FBCFB447}"/>
+              </a:ext>
+            </a:extLst>
+          </p:cNvPr>
+          <p:cNvSpPr>
+            <a:spLocks noGrp="1"/>
+          </p:cNvSpPr>
+          <p:nvPr>
+            <p:ph type="body" sz="half" idx="2"/>
           </p:nvPr>
         </p:nvSpPr>
         <p:spPr/>
